--- a/results/109911_ExplainFile.pptx
+++ b/results/109911_ExplainFile.pptx
@@ -200,7 +200,7 @@
           <a:p>
             <a:fld id="{AC2B442B-8B36-4B50-95F8-CF9FA083DCD7}" type="datetimeFigureOut">
               <a:rPr lang="zh-TW" altLang="en-US" smtClean="0"/>
-              <a:t>2020/7/13</a:t>
+              <a:t>2020/7/28</a:t>
             </a:fld>
             <a:endParaRPr lang="zh-TW" altLang="en-US"/>
           </a:p>
@@ -264,38 +264,37 @@
           <a:p>
             <a:pPr lvl="0"/>
             <a:r>
-              <a:rPr lang="zh-TW" altLang="en-US" smtClean="0"/>
+              <a:rPr lang="zh-TW" altLang="en-US"/>
               <a:t>按一下以編輯母片文字樣式</a:t>
             </a:r>
           </a:p>
           <a:p>
             <a:pPr lvl="1"/>
             <a:r>
-              <a:rPr lang="zh-TW" altLang="en-US" smtClean="0"/>
+              <a:rPr lang="zh-TW" altLang="en-US"/>
               <a:t>第二層</a:t>
             </a:r>
           </a:p>
           <a:p>
             <a:pPr lvl="2"/>
             <a:r>
-              <a:rPr lang="zh-TW" altLang="en-US" smtClean="0"/>
+              <a:rPr lang="zh-TW" altLang="en-US"/>
               <a:t>第三層</a:t>
             </a:r>
           </a:p>
           <a:p>
             <a:pPr lvl="3"/>
             <a:r>
-              <a:rPr lang="zh-TW" altLang="en-US" smtClean="0"/>
+              <a:rPr lang="zh-TW" altLang="en-US"/>
               <a:t>第四層</a:t>
             </a:r>
           </a:p>
           <a:p>
             <a:pPr lvl="4"/>
             <a:r>
-              <a:rPr lang="zh-TW" altLang="en-US" smtClean="0"/>
+              <a:rPr lang="zh-TW" altLang="en-US"/>
               <a:t>第五層</a:t>
             </a:r>
-            <a:endParaRPr lang="zh-TW" altLang="en-US"/>
           </a:p>
         </p:txBody>
       </p:sp>
@@ -594,10 +593,9 @@
           </a:lstStyle>
           <a:p>
             <a:r>
-              <a:rPr lang="zh-TW" altLang="en-US" smtClean="0"/>
+              <a:rPr lang="zh-TW" altLang="en-US"/>
               <a:t>按一下以編輯母片標題樣式</a:t>
             </a:r>
-            <a:endParaRPr lang="zh-TW" altLang="en-US"/>
           </a:p>
         </p:txBody>
       </p:sp>
@@ -659,10 +657,9 @@
           </a:lstStyle>
           <a:p>
             <a:r>
-              <a:rPr lang="zh-TW" altLang="en-US" smtClean="0"/>
+              <a:rPr lang="zh-TW" altLang="en-US"/>
               <a:t>按一下以編輯母片副標題樣式</a:t>
             </a:r>
-            <a:endParaRPr lang="zh-TW" altLang="en-US"/>
           </a:p>
         </p:txBody>
       </p:sp>
@@ -683,7 +680,7 @@
           <a:p>
             <a:fld id="{861F5BB7-829D-4425-8036-3A3B13B935CA}" type="datetime1">
               <a:rPr lang="zh-TW" altLang="en-US" smtClean="0"/>
-              <a:t>2020/7/13</a:t>
+              <a:t>2020/7/28</a:t>
             </a:fld>
             <a:endParaRPr lang="zh-TW" altLang="en-US"/>
           </a:p>
@@ -777,10 +774,9 @@
           <a:lstStyle/>
           <a:p>
             <a:r>
-              <a:rPr lang="zh-TW" altLang="en-US" smtClean="0"/>
+              <a:rPr lang="zh-TW" altLang="en-US"/>
               <a:t>按一下以編輯母片標題樣式</a:t>
             </a:r>
-            <a:endParaRPr lang="zh-TW" altLang="en-US"/>
           </a:p>
         </p:txBody>
       </p:sp>
@@ -801,38 +797,37 @@
           <a:p>
             <a:pPr lvl="0"/>
             <a:r>
-              <a:rPr lang="zh-TW" altLang="en-US" smtClean="0"/>
+              <a:rPr lang="zh-TW" altLang="en-US"/>
               <a:t>按一下以編輯母片文字樣式</a:t>
             </a:r>
           </a:p>
           <a:p>
             <a:pPr lvl="1"/>
             <a:r>
-              <a:rPr lang="zh-TW" altLang="en-US" smtClean="0"/>
+              <a:rPr lang="zh-TW" altLang="en-US"/>
               <a:t>第二層</a:t>
             </a:r>
           </a:p>
           <a:p>
             <a:pPr lvl="2"/>
             <a:r>
-              <a:rPr lang="zh-TW" altLang="en-US" smtClean="0"/>
+              <a:rPr lang="zh-TW" altLang="en-US"/>
               <a:t>第三層</a:t>
             </a:r>
           </a:p>
           <a:p>
             <a:pPr lvl="3"/>
             <a:r>
-              <a:rPr lang="zh-TW" altLang="en-US" smtClean="0"/>
+              <a:rPr lang="zh-TW" altLang="en-US"/>
               <a:t>第四層</a:t>
             </a:r>
           </a:p>
           <a:p>
             <a:pPr lvl="4"/>
             <a:r>
-              <a:rPr lang="zh-TW" altLang="en-US" smtClean="0"/>
+              <a:rPr lang="zh-TW" altLang="en-US"/>
               <a:t>第五層</a:t>
             </a:r>
-            <a:endParaRPr lang="zh-TW" altLang="en-US"/>
           </a:p>
         </p:txBody>
       </p:sp>
@@ -853,7 +848,7 @@
           <a:p>
             <a:fld id="{EECBD5FA-454E-4F17-9E73-5D2696952D27}" type="datetime1">
               <a:rPr lang="zh-TW" altLang="en-US" smtClean="0"/>
-              <a:t>2020/7/13</a:t>
+              <a:t>2020/7/28</a:t>
             </a:fld>
             <a:endParaRPr lang="zh-TW" altLang="en-US"/>
           </a:p>
@@ -952,10 +947,9 @@
           <a:lstStyle/>
           <a:p>
             <a:r>
-              <a:rPr lang="zh-TW" altLang="en-US" smtClean="0"/>
+              <a:rPr lang="zh-TW" altLang="en-US"/>
               <a:t>按一下以編輯母片標題樣式</a:t>
             </a:r>
-            <a:endParaRPr lang="zh-TW" altLang="en-US"/>
           </a:p>
         </p:txBody>
       </p:sp>
@@ -981,38 +975,37 @@
           <a:p>
             <a:pPr lvl="0"/>
             <a:r>
-              <a:rPr lang="zh-TW" altLang="en-US" smtClean="0"/>
+              <a:rPr lang="zh-TW" altLang="en-US"/>
               <a:t>按一下以編輯母片文字樣式</a:t>
             </a:r>
           </a:p>
           <a:p>
             <a:pPr lvl="1"/>
             <a:r>
-              <a:rPr lang="zh-TW" altLang="en-US" smtClean="0"/>
+              <a:rPr lang="zh-TW" altLang="en-US"/>
               <a:t>第二層</a:t>
             </a:r>
           </a:p>
           <a:p>
             <a:pPr lvl="2"/>
             <a:r>
-              <a:rPr lang="zh-TW" altLang="en-US" smtClean="0"/>
+              <a:rPr lang="zh-TW" altLang="en-US"/>
               <a:t>第三層</a:t>
             </a:r>
           </a:p>
           <a:p>
             <a:pPr lvl="3"/>
             <a:r>
-              <a:rPr lang="zh-TW" altLang="en-US" smtClean="0"/>
+              <a:rPr lang="zh-TW" altLang="en-US"/>
               <a:t>第四層</a:t>
             </a:r>
           </a:p>
           <a:p>
             <a:pPr lvl="4"/>
             <a:r>
-              <a:rPr lang="zh-TW" altLang="en-US" smtClean="0"/>
+              <a:rPr lang="zh-TW" altLang="en-US"/>
               <a:t>第五層</a:t>
             </a:r>
-            <a:endParaRPr lang="zh-TW" altLang="en-US"/>
           </a:p>
         </p:txBody>
       </p:sp>
@@ -1033,7 +1026,7 @@
           <a:p>
             <a:fld id="{02E59D06-2520-4BCE-A61E-ACC178638E40}" type="datetime1">
               <a:rPr lang="zh-TW" altLang="en-US" smtClean="0"/>
-              <a:t>2020/7/13</a:t>
+              <a:t>2020/7/28</a:t>
             </a:fld>
             <a:endParaRPr lang="zh-TW" altLang="en-US"/>
           </a:p>
@@ -1154,10 +1147,9 @@
           </a:lstStyle>
           <a:p>
             <a:r>
-              <a:rPr lang="zh-TW" altLang="en-US" dirty="0" smtClean="0"/>
+              <a:rPr lang="zh-TW" altLang="en-US" dirty="0"/>
               <a:t>按一下以編輯母片標題樣式</a:t>
             </a:r>
-            <a:endParaRPr lang="zh-TW" altLang="en-US" dirty="0"/>
           </a:p>
         </p:txBody>
       </p:sp>
@@ -1214,38 +1206,37 @@
           <a:p>
             <a:pPr lvl="0"/>
             <a:r>
-              <a:rPr lang="zh-TW" altLang="en-US" smtClean="0"/>
+              <a:rPr lang="zh-TW" altLang="en-US"/>
               <a:t>按一下以編輯母片文字樣式</a:t>
             </a:r>
           </a:p>
           <a:p>
             <a:pPr lvl="1"/>
             <a:r>
-              <a:rPr lang="zh-TW" altLang="en-US" smtClean="0"/>
+              <a:rPr lang="zh-TW" altLang="en-US"/>
               <a:t>第二層</a:t>
             </a:r>
           </a:p>
           <a:p>
             <a:pPr lvl="2"/>
             <a:r>
-              <a:rPr lang="zh-TW" altLang="en-US" smtClean="0"/>
+              <a:rPr lang="zh-TW" altLang="en-US"/>
               <a:t>第三層</a:t>
             </a:r>
           </a:p>
           <a:p>
             <a:pPr lvl="3"/>
             <a:r>
-              <a:rPr lang="zh-TW" altLang="en-US" smtClean="0"/>
+              <a:rPr lang="zh-TW" altLang="en-US"/>
               <a:t>第四層</a:t>
             </a:r>
           </a:p>
           <a:p>
             <a:pPr lvl="4"/>
             <a:r>
-              <a:rPr lang="zh-TW" altLang="en-US" smtClean="0"/>
+              <a:rPr lang="zh-TW" altLang="en-US"/>
               <a:t>第五層</a:t>
             </a:r>
-            <a:endParaRPr lang="zh-TW" altLang="en-US"/>
           </a:p>
         </p:txBody>
       </p:sp>
@@ -1304,10 +1295,9 @@
           </a:lstStyle>
           <a:p>
             <a:r>
-              <a:rPr lang="zh-TW" altLang="en-US" smtClean="0"/>
+              <a:rPr lang="zh-TW" altLang="en-US"/>
               <a:t>按一下以編輯母片標題樣式</a:t>
             </a:r>
-            <a:endParaRPr lang="zh-TW" altLang="en-US"/>
           </a:p>
         </p:txBody>
       </p:sp>
@@ -1424,7 +1414,7 @@
           <a:p>
             <a:pPr lvl="0"/>
             <a:r>
-              <a:rPr lang="zh-TW" altLang="en-US" smtClean="0"/>
+              <a:rPr lang="zh-TW" altLang="en-US"/>
               <a:t>按一下以編輯母片文字樣式</a:t>
             </a:r>
           </a:p>
@@ -1447,7 +1437,7 @@
           <a:p>
             <a:fld id="{6A638C86-4B55-4FE0-B580-D723B0F157CA}" type="datetime1">
               <a:rPr lang="zh-TW" altLang="en-US" smtClean="0"/>
-              <a:t>2020/7/13</a:t>
+              <a:t>2020/7/28</a:t>
             </a:fld>
             <a:endParaRPr lang="zh-TW" altLang="en-US"/>
           </a:p>
@@ -1541,10 +1531,9 @@
           <a:lstStyle/>
           <a:p>
             <a:r>
-              <a:rPr lang="zh-TW" altLang="en-US" smtClean="0"/>
+              <a:rPr lang="zh-TW" altLang="en-US"/>
               <a:t>按一下以編輯母片標題樣式</a:t>
             </a:r>
-            <a:endParaRPr lang="zh-TW" altLang="en-US"/>
           </a:p>
         </p:txBody>
       </p:sp>
@@ -1570,38 +1559,37 @@
           <a:p>
             <a:pPr lvl="0"/>
             <a:r>
-              <a:rPr lang="zh-TW" altLang="en-US" smtClean="0"/>
+              <a:rPr lang="zh-TW" altLang="en-US"/>
               <a:t>按一下以編輯母片文字樣式</a:t>
             </a:r>
           </a:p>
           <a:p>
             <a:pPr lvl="1"/>
             <a:r>
-              <a:rPr lang="zh-TW" altLang="en-US" smtClean="0"/>
+              <a:rPr lang="zh-TW" altLang="en-US"/>
               <a:t>第二層</a:t>
             </a:r>
           </a:p>
           <a:p>
             <a:pPr lvl="2"/>
             <a:r>
-              <a:rPr lang="zh-TW" altLang="en-US" smtClean="0"/>
+              <a:rPr lang="zh-TW" altLang="en-US"/>
               <a:t>第三層</a:t>
             </a:r>
           </a:p>
           <a:p>
             <a:pPr lvl="3"/>
             <a:r>
-              <a:rPr lang="zh-TW" altLang="en-US" smtClean="0"/>
+              <a:rPr lang="zh-TW" altLang="en-US"/>
               <a:t>第四層</a:t>
             </a:r>
           </a:p>
           <a:p>
             <a:pPr lvl="4"/>
             <a:r>
-              <a:rPr lang="zh-TW" altLang="en-US" smtClean="0"/>
+              <a:rPr lang="zh-TW" altLang="en-US"/>
               <a:t>第五層</a:t>
             </a:r>
-            <a:endParaRPr lang="zh-TW" altLang="en-US"/>
           </a:p>
         </p:txBody>
       </p:sp>
@@ -1627,38 +1615,37 @@
           <a:p>
             <a:pPr lvl="0"/>
             <a:r>
-              <a:rPr lang="zh-TW" altLang="en-US" smtClean="0"/>
+              <a:rPr lang="zh-TW" altLang="en-US"/>
               <a:t>按一下以編輯母片文字樣式</a:t>
             </a:r>
           </a:p>
           <a:p>
             <a:pPr lvl="1"/>
             <a:r>
-              <a:rPr lang="zh-TW" altLang="en-US" smtClean="0"/>
+              <a:rPr lang="zh-TW" altLang="en-US"/>
               <a:t>第二層</a:t>
             </a:r>
           </a:p>
           <a:p>
             <a:pPr lvl="2"/>
             <a:r>
-              <a:rPr lang="zh-TW" altLang="en-US" smtClean="0"/>
+              <a:rPr lang="zh-TW" altLang="en-US"/>
               <a:t>第三層</a:t>
             </a:r>
           </a:p>
           <a:p>
             <a:pPr lvl="3"/>
             <a:r>
-              <a:rPr lang="zh-TW" altLang="en-US" smtClean="0"/>
+              <a:rPr lang="zh-TW" altLang="en-US"/>
               <a:t>第四層</a:t>
             </a:r>
           </a:p>
           <a:p>
             <a:pPr lvl="4"/>
             <a:r>
-              <a:rPr lang="zh-TW" altLang="en-US" smtClean="0"/>
+              <a:rPr lang="zh-TW" altLang="en-US"/>
               <a:t>第五層</a:t>
             </a:r>
-            <a:endParaRPr lang="zh-TW" altLang="en-US"/>
           </a:p>
         </p:txBody>
       </p:sp>
@@ -1679,7 +1666,7 @@
           <a:p>
             <a:fld id="{AE17FDF2-5182-4DEA-B352-D3243A6E4171}" type="datetime1">
               <a:rPr lang="zh-TW" altLang="en-US" smtClean="0"/>
-              <a:t>2020/7/13</a:t>
+              <a:t>2020/7/28</a:t>
             </a:fld>
             <a:endParaRPr lang="zh-TW" altLang="en-US"/>
           </a:p>
@@ -1778,10 +1765,9 @@
           <a:lstStyle/>
           <a:p>
             <a:r>
-              <a:rPr lang="zh-TW" altLang="en-US" smtClean="0"/>
+              <a:rPr lang="zh-TW" altLang="en-US"/>
               <a:t>按一下以編輯母片標題樣式</a:t>
             </a:r>
-            <a:endParaRPr lang="zh-TW" altLang="en-US"/>
           </a:p>
         </p:txBody>
       </p:sp>
@@ -1844,7 +1830,7 @@
           <a:p>
             <a:pPr lvl="0"/>
             <a:r>
-              <a:rPr lang="zh-TW" altLang="en-US" smtClean="0"/>
+              <a:rPr lang="zh-TW" altLang="en-US"/>
               <a:t>按一下以編輯母片文字樣式</a:t>
             </a:r>
           </a:p>
@@ -1872,38 +1858,37 @@
           <a:p>
             <a:pPr lvl="0"/>
             <a:r>
-              <a:rPr lang="zh-TW" altLang="en-US" smtClean="0"/>
+              <a:rPr lang="zh-TW" altLang="en-US"/>
               <a:t>按一下以編輯母片文字樣式</a:t>
             </a:r>
           </a:p>
           <a:p>
             <a:pPr lvl="1"/>
             <a:r>
-              <a:rPr lang="zh-TW" altLang="en-US" smtClean="0"/>
+              <a:rPr lang="zh-TW" altLang="en-US"/>
               <a:t>第二層</a:t>
             </a:r>
           </a:p>
           <a:p>
             <a:pPr lvl="2"/>
             <a:r>
-              <a:rPr lang="zh-TW" altLang="en-US" smtClean="0"/>
+              <a:rPr lang="zh-TW" altLang="en-US"/>
               <a:t>第三層</a:t>
             </a:r>
           </a:p>
           <a:p>
             <a:pPr lvl="3"/>
             <a:r>
-              <a:rPr lang="zh-TW" altLang="en-US" smtClean="0"/>
+              <a:rPr lang="zh-TW" altLang="en-US"/>
               <a:t>第四層</a:t>
             </a:r>
           </a:p>
           <a:p>
             <a:pPr lvl="4"/>
             <a:r>
-              <a:rPr lang="zh-TW" altLang="en-US" smtClean="0"/>
+              <a:rPr lang="zh-TW" altLang="en-US"/>
               <a:t>第五層</a:t>
             </a:r>
-            <a:endParaRPr lang="zh-TW" altLang="en-US"/>
           </a:p>
         </p:txBody>
       </p:sp>
@@ -1966,7 +1951,7 @@
           <a:p>
             <a:pPr lvl="0"/>
             <a:r>
-              <a:rPr lang="zh-TW" altLang="en-US" smtClean="0"/>
+              <a:rPr lang="zh-TW" altLang="en-US"/>
               <a:t>按一下以編輯母片文字樣式</a:t>
             </a:r>
           </a:p>
@@ -1994,38 +1979,37 @@
           <a:p>
             <a:pPr lvl="0"/>
             <a:r>
-              <a:rPr lang="zh-TW" altLang="en-US" smtClean="0"/>
+              <a:rPr lang="zh-TW" altLang="en-US"/>
               <a:t>按一下以編輯母片文字樣式</a:t>
             </a:r>
           </a:p>
           <a:p>
             <a:pPr lvl="1"/>
             <a:r>
-              <a:rPr lang="zh-TW" altLang="en-US" smtClean="0"/>
+              <a:rPr lang="zh-TW" altLang="en-US"/>
               <a:t>第二層</a:t>
             </a:r>
           </a:p>
           <a:p>
             <a:pPr lvl="2"/>
             <a:r>
-              <a:rPr lang="zh-TW" altLang="en-US" smtClean="0"/>
+              <a:rPr lang="zh-TW" altLang="en-US"/>
               <a:t>第三層</a:t>
             </a:r>
           </a:p>
           <a:p>
             <a:pPr lvl="3"/>
             <a:r>
-              <a:rPr lang="zh-TW" altLang="en-US" smtClean="0"/>
+              <a:rPr lang="zh-TW" altLang="en-US"/>
               <a:t>第四層</a:t>
             </a:r>
           </a:p>
           <a:p>
             <a:pPr lvl="4"/>
             <a:r>
-              <a:rPr lang="zh-TW" altLang="en-US" smtClean="0"/>
+              <a:rPr lang="zh-TW" altLang="en-US"/>
               <a:t>第五層</a:t>
             </a:r>
-            <a:endParaRPr lang="zh-TW" altLang="en-US"/>
           </a:p>
         </p:txBody>
       </p:sp>
@@ -2046,7 +2030,7 @@
           <a:p>
             <a:fld id="{FE4E088D-1222-43E5-A0CF-6ADA314F26D2}" type="datetime1">
               <a:rPr lang="zh-TW" altLang="en-US" smtClean="0"/>
-              <a:t>2020/7/13</a:t>
+              <a:t>2020/7/28</a:t>
             </a:fld>
             <a:endParaRPr lang="zh-TW" altLang="en-US"/>
           </a:p>
@@ -2140,10 +2124,9 @@
           <a:lstStyle/>
           <a:p>
             <a:r>
-              <a:rPr lang="zh-TW" altLang="en-US" smtClean="0"/>
+              <a:rPr lang="zh-TW" altLang="en-US"/>
               <a:t>按一下以編輯母片標題樣式</a:t>
             </a:r>
-            <a:endParaRPr lang="zh-TW" altLang="en-US"/>
           </a:p>
         </p:txBody>
       </p:sp>
@@ -2164,7 +2147,7 @@
           <a:p>
             <a:fld id="{7489A077-A964-4EA8-B1CF-04C2BE3CCF4B}" type="datetime1">
               <a:rPr lang="zh-TW" altLang="en-US" smtClean="0"/>
-              <a:t>2020/7/13</a:t>
+              <a:t>2020/7/28</a:t>
             </a:fld>
             <a:endParaRPr lang="zh-TW" altLang="en-US"/>
           </a:p>
@@ -2259,7 +2242,7 @@
           <a:p>
             <a:fld id="{F8CD2FE1-18F9-4B22-9C86-F4C67BF4C17B}" type="datetime1">
               <a:rPr lang="zh-TW" altLang="en-US" smtClean="0"/>
-              <a:t>2020/7/13</a:t>
+              <a:t>2020/7/28</a:t>
             </a:fld>
             <a:endParaRPr lang="zh-TW" altLang="en-US"/>
           </a:p>
@@ -2362,10 +2345,9 @@
           </a:lstStyle>
           <a:p>
             <a:r>
-              <a:rPr lang="zh-TW" altLang="en-US" smtClean="0"/>
+              <a:rPr lang="zh-TW" altLang="en-US"/>
               <a:t>按一下以編輯母片標題樣式</a:t>
             </a:r>
-            <a:endParaRPr lang="zh-TW" altLang="en-US"/>
           </a:p>
         </p:txBody>
       </p:sp>
@@ -2419,38 +2401,37 @@
           <a:p>
             <a:pPr lvl="0"/>
             <a:r>
-              <a:rPr lang="zh-TW" altLang="en-US" smtClean="0"/>
+              <a:rPr lang="zh-TW" altLang="en-US"/>
               <a:t>按一下以編輯母片文字樣式</a:t>
             </a:r>
           </a:p>
           <a:p>
             <a:pPr lvl="1"/>
             <a:r>
-              <a:rPr lang="zh-TW" altLang="en-US" smtClean="0"/>
+              <a:rPr lang="zh-TW" altLang="en-US"/>
               <a:t>第二層</a:t>
             </a:r>
           </a:p>
           <a:p>
             <a:pPr lvl="2"/>
             <a:r>
-              <a:rPr lang="zh-TW" altLang="en-US" smtClean="0"/>
+              <a:rPr lang="zh-TW" altLang="en-US"/>
               <a:t>第三層</a:t>
             </a:r>
           </a:p>
           <a:p>
             <a:pPr lvl="3"/>
             <a:r>
-              <a:rPr lang="zh-TW" altLang="en-US" smtClean="0"/>
+              <a:rPr lang="zh-TW" altLang="en-US"/>
               <a:t>第四層</a:t>
             </a:r>
           </a:p>
           <a:p>
             <a:pPr lvl="4"/>
             <a:r>
-              <a:rPr lang="zh-TW" altLang="en-US" smtClean="0"/>
+              <a:rPr lang="zh-TW" altLang="en-US"/>
               <a:t>第五層</a:t>
             </a:r>
-            <a:endParaRPr lang="zh-TW" altLang="en-US"/>
           </a:p>
         </p:txBody>
       </p:sp>
@@ -2513,7 +2494,7 @@
           <a:p>
             <a:pPr lvl="0"/>
             <a:r>
-              <a:rPr lang="zh-TW" altLang="en-US" smtClean="0"/>
+              <a:rPr lang="zh-TW" altLang="en-US"/>
               <a:t>按一下以編輯母片文字樣式</a:t>
             </a:r>
           </a:p>
@@ -2536,7 +2517,7 @@
           <a:p>
             <a:fld id="{211BE4C9-0B9A-407B-9C75-927B8382FD89}" type="datetime1">
               <a:rPr lang="zh-TW" altLang="en-US" smtClean="0"/>
-              <a:t>2020/7/13</a:t>
+              <a:t>2020/7/28</a:t>
             </a:fld>
             <a:endParaRPr lang="zh-TW" altLang="en-US"/>
           </a:p>
@@ -2639,10 +2620,9 @@
           </a:lstStyle>
           <a:p>
             <a:r>
-              <a:rPr lang="zh-TW" altLang="en-US" smtClean="0"/>
+              <a:rPr lang="zh-TW" altLang="en-US"/>
               <a:t>按一下以編輯母片標題樣式</a:t>
             </a:r>
-            <a:endParaRPr lang="zh-TW" altLang="en-US"/>
           </a:p>
         </p:txBody>
       </p:sp>
@@ -2766,7 +2746,7 @@
           <a:p>
             <a:pPr lvl="0"/>
             <a:r>
-              <a:rPr lang="zh-TW" altLang="en-US" smtClean="0"/>
+              <a:rPr lang="zh-TW" altLang="en-US"/>
               <a:t>按一下以編輯母片文字樣式</a:t>
             </a:r>
           </a:p>
@@ -2789,7 +2769,7 @@
           <a:p>
             <a:fld id="{A522B42B-24A8-48C2-9DCC-E8DE98F9E355}" type="datetime1">
               <a:rPr lang="zh-TW" altLang="en-US" smtClean="0"/>
-              <a:t>2020/7/13</a:t>
+              <a:t>2020/7/28</a:t>
             </a:fld>
             <a:endParaRPr lang="zh-TW" altLang="en-US"/>
           </a:p>
@@ -2898,10 +2878,9 @@
           <a:lstStyle/>
           <a:p>
             <a:r>
-              <a:rPr lang="zh-TW" altLang="en-US" smtClean="0"/>
+              <a:rPr lang="zh-TW" altLang="en-US"/>
               <a:t>按一下以編輯母片標題樣式</a:t>
             </a:r>
-            <a:endParaRPr lang="zh-TW" altLang="en-US"/>
           </a:p>
         </p:txBody>
       </p:sp>
@@ -2932,38 +2911,37 @@
           <a:p>
             <a:pPr lvl="0"/>
             <a:r>
-              <a:rPr lang="zh-TW" altLang="en-US" smtClean="0"/>
+              <a:rPr lang="zh-TW" altLang="en-US"/>
               <a:t>按一下以編輯母片文字樣式</a:t>
             </a:r>
           </a:p>
           <a:p>
             <a:pPr lvl="1"/>
             <a:r>
-              <a:rPr lang="zh-TW" altLang="en-US" smtClean="0"/>
+              <a:rPr lang="zh-TW" altLang="en-US"/>
               <a:t>第二層</a:t>
             </a:r>
           </a:p>
           <a:p>
             <a:pPr lvl="2"/>
             <a:r>
-              <a:rPr lang="zh-TW" altLang="en-US" smtClean="0"/>
+              <a:rPr lang="zh-TW" altLang="en-US"/>
               <a:t>第三層</a:t>
             </a:r>
           </a:p>
           <a:p>
             <a:pPr lvl="3"/>
             <a:r>
-              <a:rPr lang="zh-TW" altLang="en-US" smtClean="0"/>
+              <a:rPr lang="zh-TW" altLang="en-US"/>
               <a:t>第四層</a:t>
             </a:r>
           </a:p>
           <a:p>
             <a:pPr lvl="4"/>
             <a:r>
-              <a:rPr lang="zh-TW" altLang="en-US" smtClean="0"/>
+              <a:rPr lang="zh-TW" altLang="en-US"/>
               <a:t>第五層</a:t>
             </a:r>
-            <a:endParaRPr lang="zh-TW" altLang="en-US"/>
           </a:p>
         </p:txBody>
       </p:sp>
@@ -3002,7 +2980,7 @@
           <a:p>
             <a:fld id="{8314E249-842B-4F4C-BC18-470095B6566F}" type="datetime1">
               <a:rPr lang="zh-TW" altLang="en-US" smtClean="0"/>
-              <a:t>2020/7/13</a:t>
+              <a:t>2020/7/28</a:t>
             </a:fld>
             <a:endParaRPr lang="zh-TW" altLang="en-US"/>
           </a:p>
@@ -3436,91 +3414,14 @@
                 <a:latin typeface="微軟正黑體" panose="020B0604030504040204" pitchFamily="34" charset="-120"/>
                 <a:ea typeface="微軟正黑體" panose="020B0604030504040204" pitchFamily="34" charset="-120"/>
               </a:rPr>
-              <a:t>報名序號</a:t>
-            </a:r>
-            <a:r>
-              <a:rPr lang="zh-TW" altLang="en-US" sz="3200" b="1" dirty="0" smtClean="0">
+              <a:t>報名序號：</a:t>
+            </a:r>
+            <a:r>
+              <a:rPr lang="en-US" altLang="zh-TW" sz="3200" b="1" dirty="0">
                 <a:latin typeface="微軟正黑體" panose="020B0604030504040204" pitchFamily="34" charset="-120"/>
                 <a:ea typeface="微軟正黑體" panose="020B0604030504040204" pitchFamily="34" charset="-120"/>
               </a:rPr>
-              <a:t>：</a:t>
-            </a:r>
-            <a:r>
-              <a:rPr lang="en-US" altLang="zh-TW" sz="3200" b="1" dirty="0" smtClean="0">
-                <a:latin typeface="微軟正黑體" panose="020B0604030504040204" pitchFamily="34" charset="-120"/>
-                <a:ea typeface="微軟正黑體" panose="020B0604030504040204" pitchFamily="34" charset="-120"/>
-              </a:rPr>
-              <a:t>109000 </a:t>
-            </a:r>
-            <a:r>
-              <a:rPr lang="en-US" altLang="zh-TW" sz="1600" dirty="0" smtClean="0">
-                <a:latin typeface="微軟正黑體" panose="020B0604030504040204" pitchFamily="34" charset="-120"/>
-                <a:ea typeface="微軟正黑體" panose="020B0604030504040204" pitchFamily="34" charset="-120"/>
-              </a:rPr>
-              <a:t>(</a:t>
-            </a:r>
-            <a:r>
-              <a:rPr lang="zh-TW" altLang="zh-TW" sz="1600" dirty="0">
-                <a:latin typeface="微軟正黑體" panose="020B0604030504040204" pitchFamily="34" charset="-120"/>
-                <a:ea typeface="微軟正黑體" panose="020B0604030504040204" pitchFamily="34" charset="-120"/>
-              </a:rPr>
-              <a:t>報名序號</a:t>
-            </a:r>
-            <a:r>
-              <a:rPr lang="en-US" altLang="zh-TW" sz="1600" dirty="0">
-                <a:latin typeface="微軟正黑體" panose="020B0604030504040204" pitchFamily="34" charset="-120"/>
-                <a:ea typeface="微軟正黑體" panose="020B0604030504040204" pitchFamily="34" charset="-120"/>
-              </a:rPr>
-              <a:t>(</a:t>
-            </a:r>
-            <a:r>
-              <a:rPr lang="zh-TW" altLang="en-US" sz="1600" dirty="0">
-                <a:latin typeface="微軟正黑體" panose="020B0604030504040204" pitchFamily="34" charset="-120"/>
-                <a:ea typeface="微軟正黑體" panose="020B0604030504040204" pitchFamily="34" charset="-120"/>
-              </a:rPr>
-              <a:t>格式</a:t>
-            </a:r>
-            <a:r>
-              <a:rPr lang="en-US" altLang="zh-TW" sz="1600" dirty="0">
-                <a:latin typeface="微軟正黑體" panose="020B0604030504040204" pitchFamily="34" charset="-120"/>
-                <a:ea typeface="微軟正黑體" panose="020B0604030504040204" pitchFamily="34" charset="-120"/>
-              </a:rPr>
-              <a:t>:</a:t>
-            </a:r>
-            <a:r>
-              <a:rPr lang="en-US" altLang="zh-TW" sz="1600" dirty="0" smtClean="0">
-                <a:latin typeface="微軟正黑體" panose="020B0604030504040204" pitchFamily="34" charset="-120"/>
-                <a:ea typeface="微軟正黑體" panose="020B0604030504040204" pitchFamily="34" charset="-120"/>
-              </a:rPr>
-              <a:t>109XXX</a:t>
-            </a:r>
-            <a:r>
-              <a:rPr lang="en-US" altLang="zh-TW" sz="1600" dirty="0">
-                <a:latin typeface="微軟正黑體" panose="020B0604030504040204" pitchFamily="34" charset="-120"/>
-                <a:ea typeface="微軟正黑體" panose="020B0604030504040204" pitchFamily="34" charset="-120"/>
-              </a:rPr>
-              <a:t>)</a:t>
-            </a:r>
-            <a:r>
-              <a:rPr lang="zh-TW" altLang="en-US" sz="1600" dirty="0">
-                <a:latin typeface="微軟正黑體" panose="020B0604030504040204" pitchFamily="34" charset="-120"/>
-                <a:ea typeface="微軟正黑體" panose="020B0604030504040204" pitchFamily="34" charset="-120"/>
-              </a:rPr>
-              <a:t>已寄至隊長</a:t>
-            </a:r>
-            <a:r>
-              <a:rPr lang="en-US" altLang="zh-TW" sz="1600" dirty="0">
-                <a:latin typeface="微軟正黑體" pitchFamily="34" charset="-120"/>
-                <a:ea typeface="微軟正黑體" pitchFamily="34" charset="-120"/>
-              </a:rPr>
-              <a:t>email)</a:t>
-            </a:r>
-            <a:r>
-              <a:rPr lang="en-US" altLang="zh-TW" sz="2400" dirty="0">
-                <a:latin typeface="微軟正黑體" pitchFamily="34" charset="-120"/>
-                <a:ea typeface="微軟正黑體" pitchFamily="34" charset="-120"/>
-              </a:rPr>
-              <a:t/>
+              <a:t>109911 </a:t>
             </a:r>
             <a:br>
               <a:rPr lang="en-US" altLang="zh-TW" sz="2400" dirty="0">
@@ -3528,57 +3429,25 @@
                 <a:ea typeface="微軟正黑體" pitchFamily="34" charset="-120"/>
               </a:rPr>
             </a:br>
-            <a:r>
-              <a:rPr lang="en-US" altLang="zh-TW" sz="2400" dirty="0" smtClean="0">
-                <a:latin typeface="微軟正黑體" panose="020B0604030504040204" pitchFamily="34" charset="-120"/>
-                <a:ea typeface="微軟正黑體" panose="020B0604030504040204" pitchFamily="34" charset="-120"/>
-              </a:rPr>
-              <a:t/>
-            </a:r>
-            <a:br>
-              <a:rPr lang="en-US" altLang="zh-TW" sz="2400" dirty="0" smtClean="0">
-                <a:latin typeface="微軟正黑體" panose="020B0604030504040204" pitchFamily="34" charset="-120"/>
-                <a:ea typeface="微軟正黑體" panose="020B0604030504040204" pitchFamily="34" charset="-120"/>
-              </a:rPr>
-            </a:br>
-            <a:r>
-              <a:rPr lang="en-US" altLang="zh-TW" sz="2400" dirty="0">
-                <a:latin typeface="微軟正黑體" panose="020B0604030504040204" pitchFamily="34" charset="-120"/>
-                <a:ea typeface="微軟正黑體" panose="020B0604030504040204" pitchFamily="34" charset="-120"/>
-              </a:rPr>
-              <a:t/>
-            </a:r>
             <a:br>
               <a:rPr lang="en-US" altLang="zh-TW" sz="2400" dirty="0">
+                <a:latin typeface="微軟正黑體" pitchFamily="34" charset="-120"/>
+                <a:ea typeface="微軟正黑體" pitchFamily="34" charset="-120"/>
+              </a:rPr>
+            </a:br>
+            <a:br>
+              <a:rPr lang="en-US" altLang="zh-TW" sz="2400" dirty="0">
+                <a:latin typeface="微軟正黑體" pitchFamily="34" charset="-120"/>
+                <a:ea typeface="微軟正黑體" pitchFamily="34" charset="-120"/>
+              </a:rPr>
+            </a:br>
+            <a:r>
+              <a:rPr lang="zh-TW" altLang="en-US" sz="3200" b="1" dirty="0">
                 <a:latin typeface="微軟正黑體" panose="020B0604030504040204" pitchFamily="34" charset="-120"/>
                 <a:ea typeface="微軟正黑體" panose="020B0604030504040204" pitchFamily="34" charset="-120"/>
               </a:rPr>
-            </a:br>
-            <a:r>
-              <a:rPr lang="zh-TW" altLang="en-US" sz="3200" b="1" dirty="0">
-                <a:latin typeface="微軟正黑體" panose="020B0604030504040204" pitchFamily="34" charset="-120"/>
-                <a:ea typeface="微軟正黑體" panose="020B0604030504040204" pitchFamily="34" charset="-120"/>
-              </a:rPr>
-              <a:t>團隊名稱</a:t>
-            </a:r>
-            <a:r>
-              <a:rPr lang="zh-TW" altLang="en-US" sz="3200" b="1" dirty="0" smtClean="0">
-                <a:latin typeface="微軟正黑體" panose="020B0604030504040204" pitchFamily="34" charset="-120"/>
-                <a:ea typeface="微軟正黑體" panose="020B0604030504040204" pitchFamily="34" charset="-120"/>
-              </a:rPr>
-              <a:t>：大數據競賽讚</a:t>
-            </a:r>
-            <a:r>
-              <a:rPr lang="en-US" altLang="zh-TW" sz="3200" b="1" dirty="0" smtClean="0">
-                <a:latin typeface="微軟正黑體" panose="020B0604030504040204" pitchFamily="34" charset="-120"/>
-                <a:ea typeface="微軟正黑體" panose="020B0604030504040204" pitchFamily="34" charset="-120"/>
-              </a:rPr>
-              <a:t>!</a:t>
-            </a:r>
-            <a:endParaRPr lang="zh-TW" altLang="en-US" sz="3200" b="1" dirty="0">
-              <a:latin typeface="微軟正黑體" panose="020B0604030504040204" pitchFamily="34" charset="-120"/>
-              <a:ea typeface="微軟正黑體" panose="020B0604030504040204" pitchFamily="34" charset="-120"/>
-            </a:endParaRPr>
+              <a:t>團隊名稱：明顯是個狠角色</a:t>
+            </a:r>
           </a:p>
         </p:txBody>
       </p:sp>
@@ -3642,65 +3511,41 @@
                 <a:ea typeface="微軟正黑體" panose="020B0604030504040204" pitchFamily="34" charset="-120"/>
                 <a:cs typeface="Arial" pitchFamily="34" charset="0"/>
               </a:rPr>
-              <a:t>文件撰寫</a:t>
-            </a:r>
-            <a:r>
-              <a:rPr lang="zh-TW" altLang="en-US" dirty="0" smtClean="0">
+              <a:t>文件撰寫團隊程式說明，</a:t>
+            </a:r>
+            <a:r>
+              <a:rPr lang="zh-TW" altLang="en-US" b="1" u="sng" dirty="0">
                 <a:latin typeface="微軟正黑體" panose="020B0604030504040204" pitchFamily="34" charset="-120"/>
                 <a:ea typeface="微軟正黑體" panose="020B0604030504040204" pitchFamily="34" charset="-120"/>
                 <a:cs typeface="Arial" pitchFamily="34" charset="0"/>
               </a:rPr>
-              <a:t>團隊程式說</a:t>
-            </a:r>
-            <a:r>
-              <a:rPr lang="zh-TW" altLang="en-US" dirty="0">
+              <a:t>請轉成</a:t>
+            </a:r>
+            <a:r>
+              <a:rPr lang="en-US" altLang="zh-TW" b="1" u="sng" dirty="0">
                 <a:latin typeface="微軟正黑體" panose="020B0604030504040204" pitchFamily="34" charset="-120"/>
                 <a:ea typeface="微軟正黑體" panose="020B0604030504040204" pitchFamily="34" charset="-120"/>
                 <a:cs typeface="Arial" pitchFamily="34" charset="0"/>
               </a:rPr>
-              <a:t>明</a:t>
-            </a:r>
-            <a:r>
-              <a:rPr lang="zh-TW" altLang="en-US" dirty="0" smtClean="0">
+              <a:t>PDF</a:t>
+            </a:r>
+            <a:r>
+              <a:rPr lang="zh-TW" altLang="en-US" b="1" u="sng" dirty="0">
                 <a:latin typeface="微軟正黑體" panose="020B0604030504040204" pitchFamily="34" charset="-120"/>
                 <a:ea typeface="微軟正黑體" panose="020B0604030504040204" pitchFamily="34" charset="-120"/>
                 <a:cs typeface="Arial" pitchFamily="34" charset="0"/>
               </a:rPr>
-              <a:t>，</a:t>
-            </a:r>
-            <a:r>
-              <a:rPr lang="zh-TW" altLang="en-US" b="1" u="sng" dirty="0">
+              <a:t>檔案繳交</a:t>
+            </a:r>
+            <a:r>
+              <a:rPr lang="zh-TW" altLang="en-US" dirty="0">
                 <a:latin typeface="微軟正黑體" panose="020B0604030504040204" pitchFamily="34" charset="-120"/>
                 <a:ea typeface="微軟正黑體" panose="020B0604030504040204" pitchFamily="34" charset="-120"/>
                 <a:cs typeface="Arial" pitchFamily="34" charset="0"/>
               </a:rPr>
-              <a:t>請轉成</a:t>
-            </a:r>
-            <a:r>
-              <a:rPr lang="en-US" altLang="zh-TW" b="1" u="sng" dirty="0">
-                <a:latin typeface="微軟正黑體" panose="020B0604030504040204" pitchFamily="34" charset="-120"/>
-                <a:ea typeface="微軟正黑體" panose="020B0604030504040204" pitchFamily="34" charset="-120"/>
-                <a:cs typeface="Arial" pitchFamily="34" charset="0"/>
-              </a:rPr>
-              <a:t>PDF</a:t>
-            </a:r>
-            <a:r>
-              <a:rPr lang="zh-TW" altLang="en-US" b="1" u="sng" dirty="0">
-                <a:latin typeface="微軟正黑體" panose="020B0604030504040204" pitchFamily="34" charset="-120"/>
-                <a:ea typeface="微軟正黑體" panose="020B0604030504040204" pitchFamily="34" charset="-120"/>
-                <a:cs typeface="Arial" pitchFamily="34" charset="0"/>
-              </a:rPr>
-              <a:t>檔案繳交</a:t>
-            </a:r>
-            <a:r>
-              <a:rPr lang="zh-TW" altLang="en-US" dirty="0" smtClean="0">
-                <a:latin typeface="微軟正黑體" panose="020B0604030504040204" pitchFamily="34" charset="-120"/>
-                <a:ea typeface="微軟正黑體" panose="020B0604030504040204" pitchFamily="34" charset="-120"/>
-                <a:cs typeface="Arial" pitchFamily="34" charset="0"/>
-              </a:rPr>
               <a:t>。</a:t>
             </a:r>
-            <a:endParaRPr lang="en-US" altLang="zh-TW" dirty="0" smtClean="0">
+            <a:endParaRPr lang="en-US" altLang="zh-TW" dirty="0">
               <a:latin typeface="微軟正黑體" panose="020B0604030504040204" pitchFamily="34" charset="-120"/>
               <a:ea typeface="微軟正黑體" panose="020B0604030504040204" pitchFamily="34" charset="-120"/>
               <a:cs typeface="Arial" pitchFamily="34" charset="0"/>
@@ -3709,7 +3554,7 @@
           <a:p>
             <a:pPr lvl="0"/>
             <a:r>
-              <a:rPr lang="zh-TW" altLang="en-US" dirty="0" smtClean="0">
+              <a:rPr lang="zh-TW" altLang="en-US" dirty="0">
                 <a:latin typeface="微軟正黑體" panose="020B0604030504040204" pitchFamily="34" charset="-120"/>
                 <a:ea typeface="微軟正黑體" panose="020B0604030504040204" pitchFamily="34" charset="-120"/>
                 <a:cs typeface="Arial" pitchFamily="34" charset="0"/>
@@ -3725,7 +3570,7 @@
               <a:t>2</a:t>
             </a:r>
             <a:r>
-              <a:rPr lang="zh-TW" altLang="en-US" dirty="0" smtClean="0">
+              <a:rPr lang="zh-TW" altLang="en-US" dirty="0">
                 <a:latin typeface="微軟正黑體" panose="020B0604030504040204" pitchFamily="34" charset="-120"/>
                 <a:ea typeface="微軟正黑體" panose="020B0604030504040204" pitchFamily="34" charset="-120"/>
                 <a:cs typeface="Arial" pitchFamily="34" charset="0"/>
@@ -3733,7 +3578,7 @@
               <a:t>：</a:t>
             </a:r>
             <a:r>
-              <a:rPr lang="zh-TW" altLang="en-US" u="sng" dirty="0" smtClean="0">
+              <a:rPr lang="zh-TW" altLang="en-US" u="sng" dirty="0">
                 <a:latin typeface="微軟正黑體" panose="020B0604030504040204" pitchFamily="34" charset="-120"/>
                 <a:ea typeface="微軟正黑體" panose="020B0604030504040204" pitchFamily="34" charset="-120"/>
                 <a:cs typeface="Arial" pitchFamily="34" charset="0"/>
@@ -3741,7 +3586,7 @@
               <a:t>本文件格式及安裝內容僅供參考，</a:t>
             </a:r>
             <a:r>
-              <a:rPr lang="zh-TW" altLang="en-US" b="1" u="sng" dirty="0" smtClean="0">
+              <a:rPr lang="zh-TW" altLang="en-US" b="1" u="sng" dirty="0">
                 <a:latin typeface="微軟正黑體" panose="020B0604030504040204" pitchFamily="34" charset="-120"/>
                 <a:ea typeface="微軟正黑體" panose="020B0604030504040204" pitchFamily="34" charset="-120"/>
                 <a:cs typeface="Arial" pitchFamily="34" charset="0"/>
@@ -3749,7 +3594,7 @@
               <a:t>請依實際需求安裝並撰寫即可</a:t>
             </a:r>
             <a:r>
-              <a:rPr lang="zh-TW" altLang="en-US" dirty="0" smtClean="0">
+              <a:rPr lang="zh-TW" altLang="en-US" dirty="0">
                 <a:latin typeface="微軟正黑體" panose="020B0604030504040204" pitchFamily="34" charset="-120"/>
                 <a:ea typeface="微軟正黑體" panose="020B0604030504040204" pitchFamily="34" charset="-120"/>
                 <a:cs typeface="Arial" pitchFamily="34" charset="0"/>
@@ -3760,7 +3605,7 @@
           <a:p>
             <a:pPr lvl="0"/>
             <a:r>
-              <a:rPr lang="zh-TW" altLang="en-US" dirty="0" smtClean="0">
+              <a:rPr lang="zh-TW" altLang="en-US" dirty="0">
                 <a:latin typeface="微軟正黑體" panose="020B0604030504040204" pitchFamily="34" charset="-120"/>
                 <a:ea typeface="微軟正黑體" panose="020B0604030504040204" pitchFamily="34" charset="-120"/>
                 <a:cs typeface="Arial" pitchFamily="34" charset="0"/>
@@ -3768,7 +3613,7 @@
               <a:t>註</a:t>
             </a:r>
             <a:r>
-              <a:rPr lang="en-US" altLang="zh-TW" dirty="0" smtClean="0">
+              <a:rPr lang="en-US" altLang="zh-TW" dirty="0">
                 <a:latin typeface="微軟正黑體" panose="020B0604030504040204" pitchFamily="34" charset="-120"/>
                 <a:ea typeface="微軟正黑體" panose="020B0604030504040204" pitchFamily="34" charset="-120"/>
                 <a:cs typeface="Arial" pitchFamily="34" charset="0"/>
@@ -3776,20 +3621,12 @@
               <a:t>3</a:t>
             </a:r>
             <a:r>
-              <a:rPr lang="zh-TW" altLang="en-US" dirty="0" smtClean="0">
+              <a:rPr lang="zh-TW" altLang="en-US" dirty="0">
                 <a:latin typeface="微軟正黑體" panose="020B0604030504040204" pitchFamily="34" charset="-120"/>
                 <a:ea typeface="微軟正黑體" panose="020B0604030504040204" pitchFamily="34" charset="-120"/>
                 <a:cs typeface="Arial" pitchFamily="34" charset="0"/>
               </a:rPr>
-              <a:t>：</a:t>
-            </a:r>
-            <a:r>
-              <a:rPr lang="zh-TW" altLang="en-US" dirty="0">
-                <a:latin typeface="微軟正黑體" panose="020B0604030504040204" pitchFamily="34" charset="-120"/>
-                <a:ea typeface="微軟正黑體" panose="020B0604030504040204" pitchFamily="34" charset="-120"/>
-                <a:cs typeface="Arial" pitchFamily="34" charset="0"/>
-              </a:rPr>
-              <a:t>依據競賽須知第七條，第</a:t>
+              <a:t>：依據競賽須知第七條，第</a:t>
             </a:r>
             <a:r>
               <a:rPr lang="en-US" altLang="zh-TW" dirty="0">
@@ -3861,18 +3698,6 @@
           <a:p>
             <a:pPr algn="ctr"/>
             <a:r>
-              <a:rPr lang="zh-TW" altLang="en-US" sz="3200" b="1" u="sng" dirty="0" smtClean="0">
-                <a:solidFill>
-                  <a:schemeClr val="accent1">
-                    <a:lumMod val="75000"/>
-                  </a:schemeClr>
-                </a:solidFill>
-                <a:latin typeface="微軟正黑體" panose="020B0604030504040204" pitchFamily="34" charset="-120"/>
-                <a:ea typeface="微軟正黑體" panose="020B0604030504040204" pitchFamily="34" charset="-120"/>
-              </a:rPr>
-              <a:t>團隊程式說</a:t>
-            </a:r>
-            <a:r>
               <a:rPr lang="zh-TW" altLang="en-US" sz="3200" b="1" u="sng" dirty="0">
                 <a:solidFill>
                   <a:schemeClr val="accent1">
@@ -3882,7 +3707,7 @@
                 <a:latin typeface="微軟正黑體" panose="020B0604030504040204" pitchFamily="34" charset="-120"/>
                 <a:ea typeface="微軟正黑體" panose="020B0604030504040204" pitchFamily="34" charset="-120"/>
               </a:rPr>
-              <a:t>明</a:t>
+              <a:t>團隊程式說明</a:t>
             </a:r>
           </a:p>
         </p:txBody>
@@ -3920,13 +3745,6 @@
   <p:clrMapOvr>
     <a:masterClrMapping/>
   </p:clrMapOvr>
-  <p:timing>
-    <p:tnLst>
-      <p:par>
-        <p:cTn id="1" dur="indefinite" restart="never" nodeType="tmRoot"/>
-      </p:par>
-    </p:tnLst>
-  </p:timing>
 </p:sld>
 </file>
 
@@ -3965,7 +3783,7 @@
           <a:lstStyle/>
           <a:p>
             <a:r>
-              <a:rPr lang="zh-TW" altLang="en-US" sz="3200" b="1" dirty="0" smtClean="0">
+              <a:rPr lang="zh-TW" altLang="en-US" sz="3200" b="1" dirty="0">
                 <a:solidFill>
                   <a:schemeClr val="accent1">
                     <a:lumMod val="75000"/>
@@ -3977,7 +3795,7 @@
               <a:t>一、</a:t>
             </a:r>
             <a:r>
-              <a:rPr lang="zh-TW" altLang="en-US" dirty="0" smtClean="0"/>
+              <a:rPr lang="zh-TW" altLang="en-US" dirty="0"/>
               <a:t>程式執行的安裝環境說明</a:t>
             </a:r>
             <a:endParaRPr lang="zh-TW" altLang="en-US" sz="3200" dirty="0">
@@ -4007,237 +3825,58 @@
           </a:bodyPr>
           <a:lstStyle/>
           <a:p>
-            <a:pPr marL="0" indent="0">
-              <a:buNone/>
-            </a:pPr>
-            <a:r>
-              <a:rPr lang="en-US" altLang="zh-TW" dirty="0" smtClean="0">
+            <a:r>
+              <a:rPr lang="zh-TW" altLang="en-US" dirty="0">
                 <a:latin typeface="微軟正黑體" panose="020B0604030504040204" pitchFamily="34" charset="-120"/>
                 <a:ea typeface="微軟正黑體" panose="020B0604030504040204" pitchFamily="34" charset="-120"/>
               </a:rPr>
-              <a:t>(</a:t>
-            </a:r>
-            <a:r>
-              <a:rPr lang="zh-TW" altLang="en-US" dirty="0" smtClean="0">
+              <a:t>作業系統：</a:t>
+            </a:r>
+            <a:r>
+              <a:rPr lang="en-US" altLang="zh-TW" dirty="0">
                 <a:latin typeface="微軟正黑體" panose="020B0604030504040204" pitchFamily="34" charset="-120"/>
                 <a:ea typeface="微軟正黑體" panose="020B0604030504040204" pitchFamily="34" charset="-120"/>
               </a:rPr>
-              <a:t>範例如下</a:t>
-            </a:r>
-            <a:r>
-              <a:rPr lang="en-US" altLang="zh-TW" dirty="0" smtClean="0">
+              <a:t>Mac OSX 10.15, Ubuntu 16.04, Ubuntu 18.04</a:t>
+            </a:r>
+          </a:p>
+          <a:p>
+            <a:r>
+              <a:rPr lang="zh-TW" altLang="en-US" dirty="0">
                 <a:latin typeface="微軟正黑體" panose="020B0604030504040204" pitchFamily="34" charset="-120"/>
                 <a:ea typeface="微軟正黑體" panose="020B0604030504040204" pitchFamily="34" charset="-120"/>
               </a:rPr>
-              <a:t>)</a:t>
-            </a:r>
-          </a:p>
-          <a:p>
-            <a:r>
-              <a:rPr lang="zh-TW" altLang="en-US" dirty="0" smtClean="0">
+              <a:t>程式語言：</a:t>
+            </a:r>
+            <a:r>
+              <a:rPr lang="en-US" altLang="zh-TW" dirty="0">
                 <a:latin typeface="微軟正黑體" panose="020B0604030504040204" pitchFamily="34" charset="-120"/>
                 <a:ea typeface="微軟正黑體" panose="020B0604030504040204" pitchFamily="34" charset="-120"/>
               </a:rPr>
-              <a:t>作業系統：</a:t>
-            </a:r>
-            <a:r>
-              <a:rPr lang="en-US" altLang="zh-TW" dirty="0" smtClean="0">
+              <a:t>Python 3.6 or above</a:t>
+            </a:r>
+          </a:p>
+          <a:p>
+            <a:r>
+              <a:rPr lang="zh-TW" altLang="en-US" dirty="0">
                 <a:latin typeface="微軟正黑體" panose="020B0604030504040204" pitchFamily="34" charset="-120"/>
                 <a:ea typeface="微軟正黑體" panose="020B0604030504040204" pitchFamily="34" charset="-120"/>
               </a:rPr>
-              <a:t>Windows 7/8.1/10</a:t>
-            </a:r>
-            <a:r>
-              <a:rPr lang="zh-TW" altLang="en-US" dirty="0" smtClean="0">
+              <a:t>工具軟體：列於</a:t>
+            </a:r>
+            <a:r>
+              <a:rPr lang="en-US" altLang="zh-TW" dirty="0" err="1">
                 <a:latin typeface="微軟正黑體" panose="020B0604030504040204" pitchFamily="34" charset="-120"/>
                 <a:ea typeface="微軟正黑體" panose="020B0604030504040204" pitchFamily="34" charset="-120"/>
               </a:rPr>
-              <a:t>、</a:t>
-            </a:r>
-            <a:r>
-              <a:rPr lang="en-US" altLang="zh-TW" dirty="0" smtClean="0">
+              <a:t>requirement.txt</a:t>
+            </a:r>
+            <a:r>
+              <a:rPr lang="zh-TW" altLang="en-US" dirty="0">
                 <a:latin typeface="微軟正黑體" panose="020B0604030504040204" pitchFamily="34" charset="-120"/>
                 <a:ea typeface="微軟正黑體" panose="020B0604030504040204" pitchFamily="34" charset="-120"/>
               </a:rPr>
-              <a:t>Linux-Ubuntu …</a:t>
-            </a:r>
-          </a:p>
-          <a:p>
-            <a:r>
-              <a:rPr lang="zh-TW" altLang="en-US" dirty="0" smtClean="0">
-                <a:latin typeface="微軟正黑體" panose="020B0604030504040204" pitchFamily="34" charset="-120"/>
-                <a:ea typeface="微軟正黑體" panose="020B0604030504040204" pitchFamily="34" charset="-120"/>
-              </a:rPr>
-              <a:t>程式語言：開發工具為</a:t>
-            </a:r>
-            <a:r>
-              <a:rPr lang="en-US" altLang="zh-TW" dirty="0" smtClean="0">
-                <a:latin typeface="微軟正黑體" panose="020B0604030504040204" pitchFamily="34" charset="-120"/>
-                <a:ea typeface="微軟正黑體" panose="020B0604030504040204" pitchFamily="34" charset="-120"/>
-              </a:rPr>
-              <a:t>C</a:t>
-            </a:r>
-            <a:r>
-              <a:rPr lang="zh-TW" altLang="en-US" dirty="0" smtClean="0">
-                <a:latin typeface="微軟正黑體" panose="020B0604030504040204" pitchFamily="34" charset="-120"/>
-                <a:ea typeface="微軟正黑體" panose="020B0604030504040204" pitchFamily="34" charset="-120"/>
-              </a:rPr>
-              <a:t>語言、</a:t>
-            </a:r>
-            <a:r>
-              <a:rPr lang="en-US" altLang="zh-TW" dirty="0" smtClean="0">
-                <a:latin typeface="微軟正黑體" panose="020B0604030504040204" pitchFamily="34" charset="-120"/>
-                <a:ea typeface="微軟正黑體" panose="020B0604030504040204" pitchFamily="34" charset="-120"/>
-              </a:rPr>
-              <a:t>Java</a:t>
-            </a:r>
-            <a:r>
-              <a:rPr lang="zh-TW" altLang="en-US" dirty="0" smtClean="0">
-                <a:latin typeface="微軟正黑體" panose="020B0604030504040204" pitchFamily="34" charset="-120"/>
-                <a:ea typeface="微軟正黑體" panose="020B0604030504040204" pitchFamily="34" charset="-120"/>
-              </a:rPr>
-              <a:t>、</a:t>
-            </a:r>
-            <a:r>
-              <a:rPr lang="en-US" altLang="zh-TW" dirty="0" smtClean="0">
-                <a:latin typeface="微軟正黑體" panose="020B0604030504040204" pitchFamily="34" charset="-120"/>
-                <a:ea typeface="微軟正黑體" panose="020B0604030504040204" pitchFamily="34" charset="-120"/>
-              </a:rPr>
-              <a:t> python</a:t>
-            </a:r>
-            <a:r>
-              <a:rPr lang="zh-TW" altLang="en-US" dirty="0" smtClean="0">
-                <a:latin typeface="微軟正黑體" panose="020B0604030504040204" pitchFamily="34" charset="-120"/>
-                <a:ea typeface="微軟正黑體" panose="020B0604030504040204" pitchFamily="34" charset="-120"/>
-              </a:rPr>
-              <a:t>或其他程式語言</a:t>
-            </a:r>
-            <a:endParaRPr lang="en-US" altLang="zh-TW" dirty="0" smtClean="0">
-              <a:latin typeface="微軟正黑體" panose="020B0604030504040204" pitchFamily="34" charset="-120"/>
-              <a:ea typeface="微軟正黑體" panose="020B0604030504040204" pitchFamily="34" charset="-120"/>
-            </a:endParaRPr>
-          </a:p>
-          <a:p>
-            <a:r>
-              <a:rPr lang="zh-TW" altLang="en-US" dirty="0" smtClean="0">
-                <a:latin typeface="微軟正黑體" panose="020B0604030504040204" pitchFamily="34" charset="-120"/>
-                <a:ea typeface="微軟正黑體" panose="020B0604030504040204" pitchFamily="34" charset="-120"/>
-              </a:rPr>
-              <a:t>工具軟體：</a:t>
-            </a:r>
-          </a:p>
-          <a:p>
-            <a:pPr lvl="1">
-              <a:buFont typeface="微軟正黑體" panose="020B0604030504040204" pitchFamily="34" charset="-120"/>
-              <a:buChar char="‐"/>
-            </a:pPr>
-            <a:r>
-              <a:rPr lang="en-US" altLang="zh-TW" dirty="0" err="1" smtClean="0">
-                <a:latin typeface="微軟正黑體" panose="020B0604030504040204" pitchFamily="34" charset="-120"/>
-                <a:ea typeface="微軟正黑體" panose="020B0604030504040204" pitchFamily="34" charset="-120"/>
-              </a:rPr>
-              <a:t>Keras</a:t>
-            </a:r>
-            <a:r>
-              <a:rPr lang="en-US" altLang="zh-TW" dirty="0" smtClean="0">
-                <a:latin typeface="微軟正黑體" panose="020B0604030504040204" pitchFamily="34" charset="-120"/>
-                <a:ea typeface="微軟正黑體" panose="020B0604030504040204" pitchFamily="34" charset="-120"/>
-              </a:rPr>
-              <a:t> </a:t>
-            </a:r>
-            <a:r>
-              <a:rPr lang="en-US" altLang="zh-TW" dirty="0">
-                <a:latin typeface="微軟正黑體" panose="020B0604030504040204" pitchFamily="34" charset="-120"/>
-                <a:ea typeface="微軟正黑體" panose="020B0604030504040204" pitchFamily="34" charset="-120"/>
-              </a:rPr>
-              <a:t>2.1.5</a:t>
-            </a:r>
-          </a:p>
-          <a:p>
-            <a:pPr lvl="1">
-              <a:buFont typeface="微軟正黑體" panose="020B0604030504040204" pitchFamily="34" charset="-120"/>
-              <a:buChar char="‐"/>
-            </a:pPr>
-            <a:r>
-              <a:rPr lang="en-US" altLang="zh-TW" dirty="0" err="1" smtClean="0">
-                <a:latin typeface="微軟正黑體" panose="020B0604030504040204" pitchFamily="34" charset="-120"/>
-                <a:ea typeface="微軟正黑體" panose="020B0604030504040204" pitchFamily="34" charset="-120"/>
-              </a:rPr>
-              <a:t>Pytorch</a:t>
-            </a:r>
-            <a:r>
-              <a:rPr lang="en-US" altLang="zh-TW" dirty="0" smtClean="0">
-                <a:latin typeface="微軟正黑體" panose="020B0604030504040204" pitchFamily="34" charset="-120"/>
-                <a:ea typeface="微軟正黑體" panose="020B0604030504040204" pitchFamily="34" charset="-120"/>
-              </a:rPr>
-              <a:t> </a:t>
-            </a:r>
-            <a:r>
-              <a:rPr lang="en-US" altLang="zh-TW" dirty="0">
-                <a:latin typeface="微軟正黑體" panose="020B0604030504040204" pitchFamily="34" charset="-120"/>
-                <a:ea typeface="微軟正黑體" panose="020B0604030504040204" pitchFamily="34" charset="-120"/>
-              </a:rPr>
-              <a:t>v1.5</a:t>
-            </a:r>
-          </a:p>
-          <a:p>
-            <a:pPr lvl="1">
-              <a:buFont typeface="微軟正黑體" panose="020B0604030504040204" pitchFamily="34" charset="-120"/>
-              <a:buChar char="‐"/>
-            </a:pPr>
-            <a:r>
-              <a:rPr lang="en-US" altLang="zh-TW" dirty="0" err="1" smtClean="0">
-                <a:latin typeface="微軟正黑體" panose="020B0604030504040204" pitchFamily="34" charset="-120"/>
-                <a:ea typeface="微軟正黑體" panose="020B0604030504040204" pitchFamily="34" charset="-120"/>
-              </a:rPr>
-              <a:t>Tensorflow</a:t>
-            </a:r>
-            <a:r>
-              <a:rPr lang="en-US" altLang="zh-TW" dirty="0" smtClean="0">
-                <a:latin typeface="微軟正黑體" panose="020B0604030504040204" pitchFamily="34" charset="-120"/>
-                <a:ea typeface="微軟正黑體" panose="020B0604030504040204" pitchFamily="34" charset="-120"/>
-              </a:rPr>
-              <a:t> </a:t>
-            </a:r>
-            <a:r>
-              <a:rPr lang="en-US" altLang="zh-TW" dirty="0">
-                <a:latin typeface="微軟正黑體" panose="020B0604030504040204" pitchFamily="34" charset="-120"/>
-                <a:ea typeface="微軟正黑體" panose="020B0604030504040204" pitchFamily="34" charset="-120"/>
-              </a:rPr>
-              <a:t>v2.0</a:t>
-            </a:r>
-          </a:p>
-          <a:p>
-            <a:pPr lvl="1">
-              <a:buFont typeface="微軟正黑體" panose="020B0604030504040204" pitchFamily="34" charset="-120"/>
-              <a:buChar char="‐"/>
-            </a:pPr>
-            <a:r>
-              <a:rPr lang="en-US" altLang="zh-TW" dirty="0" smtClean="0">
-                <a:latin typeface="微軟正黑體" panose="020B0604030504040204" pitchFamily="34" charset="-120"/>
-                <a:ea typeface="微軟正黑體" panose="020B0604030504040204" pitchFamily="34" charset="-120"/>
-              </a:rPr>
-              <a:t>Python </a:t>
-            </a:r>
-            <a:r>
-              <a:rPr lang="en-US" altLang="zh-TW" dirty="0">
-                <a:latin typeface="微軟正黑體" panose="020B0604030504040204" pitchFamily="34" charset="-120"/>
-                <a:ea typeface="微軟正黑體" panose="020B0604030504040204" pitchFamily="34" charset="-120"/>
-              </a:rPr>
-              <a:t>3.7</a:t>
-            </a:r>
-          </a:p>
-          <a:p>
-            <a:pPr lvl="1">
-              <a:buFont typeface="微軟正黑體" panose="020B0604030504040204" pitchFamily="34" charset="-120"/>
-              <a:buChar char="‐"/>
-            </a:pPr>
-            <a:r>
-              <a:rPr lang="en-US" altLang="zh-TW" dirty="0" smtClean="0">
-                <a:latin typeface="微軟正黑體" panose="020B0604030504040204" pitchFamily="34" charset="-120"/>
-                <a:ea typeface="微軟正黑體" panose="020B0604030504040204" pitchFamily="34" charset="-120"/>
-              </a:rPr>
-              <a:t>Caffe2</a:t>
+              <a:t>檔案中</a:t>
             </a:r>
             <a:endParaRPr lang="en-US" altLang="zh-TW" dirty="0">
               <a:latin typeface="微軟正黑體" panose="020B0604030504040204" pitchFamily="34" charset="-120"/>
@@ -4245,68 +3884,179 @@
             </a:endParaRPr>
           </a:p>
           <a:p>
-            <a:pPr lvl="1">
-              <a:buFont typeface="微軟正黑體" panose="020B0604030504040204" pitchFamily="34" charset="-120"/>
-              <a:buChar char="‐"/>
-            </a:pPr>
-            <a:r>
-              <a:rPr lang="en-US" altLang="zh-TW" dirty="0" smtClean="0">
+            <a:r>
+              <a:rPr lang="zh-TW" altLang="en-US" dirty="0">
+                <a:latin typeface="微軟正黑體" panose="020B0604030504040204" pitchFamily="34" charset="-120"/>
+              </a:rPr>
+              <a:t>安裝步驟：</a:t>
+            </a:r>
+            <a:endParaRPr lang="en-US" altLang="zh-TW" dirty="0">
+              <a:latin typeface="微軟正黑體" panose="020B0604030504040204" pitchFamily="34" charset="-120"/>
+            </a:endParaRPr>
+          </a:p>
+          <a:p>
+            <a:pPr lvl="1"/>
+            <a:r>
+              <a:rPr lang="zh-TW" altLang="en-US" dirty="0">
+                <a:latin typeface="微軟正黑體" panose="020B0604030504040204" pitchFamily="34" charset="-120"/>
+              </a:rPr>
+              <a:t>打開</a:t>
+            </a:r>
+            <a:r>
+              <a:rPr lang="en-US" altLang="zh-TW" dirty="0">
+                <a:latin typeface="微軟正黑體" panose="020B0604030504040204" pitchFamily="34" charset="-120"/>
+              </a:rPr>
+              <a:t>terminal</a:t>
+            </a:r>
+          </a:p>
+          <a:p>
+            <a:pPr lvl="1"/>
+            <a:r>
+              <a:rPr lang="en-US" altLang="zh-TW" dirty="0">
+                <a:latin typeface="微軟正黑體" panose="020B0604030504040204" pitchFamily="34" charset="-120"/>
+              </a:rPr>
+              <a:t>cd project/path (</a:t>
+            </a:r>
+            <a:r>
+              <a:rPr lang="zh-TW" altLang="en-US" dirty="0">
+                <a:latin typeface="微軟正黑體" panose="020B0604030504040204" pitchFamily="34" charset="-120"/>
+              </a:rPr>
+              <a:t>更改路徑到</a:t>
+            </a:r>
+            <a:r>
+              <a:rPr lang="en-US" altLang="zh-TW" dirty="0">
+                <a:latin typeface="微軟正黑體" panose="020B0604030504040204" pitchFamily="34" charset="-120"/>
+              </a:rPr>
+              <a:t>project</a:t>
+            </a:r>
+            <a:r>
+              <a:rPr lang="zh-TW" altLang="en-US" dirty="0">
+                <a:latin typeface="微軟正黑體" panose="020B0604030504040204" pitchFamily="34" charset="-120"/>
+              </a:rPr>
+              <a:t>的目錄下</a:t>
+            </a:r>
+            <a:r>
+              <a:rPr lang="en-US" altLang="zh-TW" dirty="0">
+                <a:latin typeface="微軟正黑體" panose="020B0604030504040204" pitchFamily="34" charset="-120"/>
+              </a:rPr>
+              <a:t>)</a:t>
+            </a:r>
+          </a:p>
+          <a:p>
+            <a:pPr lvl="1"/>
+            <a:r>
+              <a:rPr lang="en-US" altLang="zh-TW" dirty="0">
+                <a:latin typeface="微軟正黑體" panose="020B0604030504040204" pitchFamily="34" charset="-120"/>
+              </a:rPr>
+              <a:t>python3 -m </a:t>
+            </a:r>
+            <a:r>
+              <a:rPr lang="en-US" altLang="zh-TW" dirty="0" err="1">
+                <a:latin typeface="微軟正黑體" panose="020B0604030504040204" pitchFamily="34" charset="-120"/>
+              </a:rPr>
+              <a:t>venv</a:t>
+            </a:r>
+            <a:r>
+              <a:rPr lang="en-US" altLang="zh-TW" dirty="0">
+                <a:latin typeface="微軟正黑體" panose="020B0604030504040204" pitchFamily="34" charset="-120"/>
+              </a:rPr>
+              <a:t> ./</a:t>
+            </a:r>
+            <a:r>
+              <a:rPr lang="en-US" altLang="zh-TW" dirty="0" err="1">
+                <a:latin typeface="微軟正黑體" panose="020B0604030504040204" pitchFamily="34" charset="-120"/>
+              </a:rPr>
+              <a:t>venv</a:t>
+            </a:r>
+            <a:r>
+              <a:rPr lang="en-US" altLang="zh-TW" dirty="0">
+                <a:latin typeface="微軟正黑體" panose="020B0604030504040204" pitchFamily="34" charset="-120"/>
+              </a:rPr>
+              <a:t> (</a:t>
+            </a:r>
+            <a:r>
+              <a:rPr lang="zh-TW" altLang="en-US" dirty="0">
+                <a:latin typeface="微軟正黑體" panose="020B0604030504040204" pitchFamily="34" charset="-120"/>
+              </a:rPr>
+              <a:t>產生虛擬環境</a:t>
+            </a:r>
+            <a:r>
+              <a:rPr lang="en-US" altLang="zh-TW" dirty="0">
+                <a:latin typeface="微軟正黑體" panose="020B0604030504040204" pitchFamily="34" charset="-120"/>
+              </a:rPr>
+              <a:t>)</a:t>
+            </a:r>
+          </a:p>
+          <a:p>
+            <a:pPr lvl="1"/>
+            <a:r>
+              <a:rPr lang="en-US" altLang="zh-TW" dirty="0">
+                <a:latin typeface="微軟正黑體" panose="020B0604030504040204" pitchFamily="34" charset="-120"/>
+              </a:rPr>
+              <a:t>source ./</a:t>
+            </a:r>
+            <a:r>
+              <a:rPr lang="en-US" altLang="zh-TW" dirty="0" err="1">
+                <a:latin typeface="微軟正黑體" panose="020B0604030504040204" pitchFamily="34" charset="-120"/>
+              </a:rPr>
+              <a:t>venv</a:t>
+            </a:r>
+            <a:r>
+              <a:rPr lang="en-US" altLang="zh-TW" dirty="0">
+                <a:latin typeface="微軟正黑體" panose="020B0604030504040204" pitchFamily="34" charset="-120"/>
+              </a:rPr>
+              <a:t>/bin/activate (</a:t>
+            </a:r>
+            <a:r>
+              <a:rPr lang="zh-TW" altLang="en-US" dirty="0">
+                <a:latin typeface="微軟正黑體" panose="020B0604030504040204" pitchFamily="34" charset="-120"/>
+              </a:rPr>
+              <a:t>進入虛擬環境</a:t>
+            </a:r>
+            <a:r>
+              <a:rPr lang="en-US" altLang="zh-TW" dirty="0">
+                <a:latin typeface="微軟正黑體" panose="020B0604030504040204" pitchFamily="34" charset="-120"/>
+              </a:rPr>
+              <a:t>)</a:t>
+            </a:r>
+          </a:p>
+          <a:p>
+            <a:pPr lvl="1"/>
+            <a:r>
+              <a:rPr lang="en-US" altLang="zh-TW" dirty="0">
                 <a:latin typeface="微軟正黑體" panose="020B0604030504040204" pitchFamily="34" charset="-120"/>
                 <a:ea typeface="微軟正黑體" panose="020B0604030504040204" pitchFamily="34" charset="-120"/>
               </a:rPr>
-              <a:t>R </a:t>
+              <a:t>pip install –r </a:t>
+            </a:r>
+            <a:r>
+              <a:rPr lang="en-US" altLang="zh-TW" dirty="0" err="1">
+                <a:latin typeface="微軟正黑體" panose="020B0604030504040204" pitchFamily="34" charset="-120"/>
+                <a:ea typeface="微軟正黑體" panose="020B0604030504040204" pitchFamily="34" charset="-120"/>
+              </a:rPr>
+              <a:t>requirement.txt</a:t>
             </a:r>
             <a:r>
               <a:rPr lang="en-US" altLang="zh-TW" dirty="0">
                 <a:latin typeface="微軟正黑體" panose="020B0604030504040204" pitchFamily="34" charset="-120"/>
                 <a:ea typeface="微軟正黑體" panose="020B0604030504040204" pitchFamily="34" charset="-120"/>
               </a:rPr>
-              <a:t>language v3.4.4</a:t>
-            </a:r>
-          </a:p>
-          <a:p>
-            <a:pPr lvl="1">
-              <a:buFont typeface="微軟正黑體" panose="020B0604030504040204" pitchFamily="34" charset="-120"/>
-              <a:buChar char="‐"/>
-            </a:pPr>
-            <a:r>
-              <a:rPr lang="en-US" altLang="zh-TW" dirty="0" smtClean="0">
+              <a:t> (</a:t>
+            </a:r>
+            <a:r>
+              <a:rPr lang="zh-TW" altLang="en-US" dirty="0">
                 <a:latin typeface="微軟正黑體" panose="020B0604030504040204" pitchFamily="34" charset="-120"/>
                 <a:ea typeface="微軟正黑體" panose="020B0604030504040204" pitchFamily="34" charset="-120"/>
               </a:rPr>
-              <a:t>Java </a:t>
+              <a:t>安裝需要的</a:t>
             </a:r>
             <a:r>
               <a:rPr lang="en-US" altLang="zh-TW" dirty="0">
                 <a:latin typeface="微軟正黑體" panose="020B0604030504040204" pitchFamily="34" charset="-120"/>
                 <a:ea typeface="微軟正黑體" panose="020B0604030504040204" pitchFamily="34" charset="-120"/>
               </a:rPr>
-              <a:t>( JRE 8, JDK 1.8</a:t>
-            </a:r>
-            <a:r>
-              <a:rPr lang="en-US" altLang="zh-TW" dirty="0" smtClean="0">
-                <a:latin typeface="微軟正黑體" panose="020B0604030504040204" pitchFamily="34" charset="-120"/>
-                <a:ea typeface="微軟正黑體" panose="020B0604030504040204" pitchFamily="34" charset="-120"/>
-              </a:rPr>
-              <a:t>)</a:t>
-            </a:r>
-          </a:p>
-          <a:p>
-            <a:pPr lvl="1">
-              <a:buFont typeface="微軟正黑體" panose="020B0604030504040204" pitchFamily="34" charset="-120"/>
-              <a:buChar char="‐"/>
-            </a:pPr>
-            <a:r>
-              <a:rPr lang="en-US" altLang="zh-TW" dirty="0" smtClean="0">
-                <a:latin typeface="微軟正黑體" panose="020B0604030504040204" pitchFamily="34" charset="-120"/>
-                <a:ea typeface="微軟正黑體" panose="020B0604030504040204" pitchFamily="34" charset="-120"/>
-              </a:rPr>
-              <a:t>…</a:t>
-            </a:r>
-            <a:endParaRPr lang="zh-TW" altLang="en-US" dirty="0">
-              <a:latin typeface="微軟正黑體" panose="020B0604030504040204" pitchFamily="34" charset="-120"/>
-              <a:ea typeface="微軟正黑體" panose="020B0604030504040204" pitchFamily="34" charset="-120"/>
-            </a:endParaRPr>
+              <a:t>packages)</a:t>
+            </a:r>
           </a:p>
         </p:txBody>
       </p:sp>
@@ -4384,10 +4134,9 @@
           <a:lstStyle/>
           <a:p>
             <a:r>
-              <a:rPr lang="zh-TW" altLang="en-US" dirty="0" smtClean="0"/>
+              <a:rPr lang="zh-TW" altLang="en-US" dirty="0"/>
               <a:t>二、程式執行步驟說明</a:t>
             </a:r>
-            <a:endParaRPr lang="zh-TW" altLang="en-US" dirty="0"/>
           </a:p>
         </p:txBody>
       </p:sp>
@@ -4407,8 +4156,248 @@
           <a:lstStyle/>
           <a:p>
             <a:r>
-              <a:rPr lang="zh-TW" altLang="en-US" dirty="0" smtClean="0"/>
-              <a:t>請列出要得到執行結果的依次步驟</a:t>
+              <a:rPr lang="zh-TW" altLang="en-US" dirty="0"/>
+              <a:t>訓練模型</a:t>
+            </a:r>
+            <a:endParaRPr lang="en-US" altLang="zh-TW" dirty="0"/>
+          </a:p>
+          <a:p>
+            <a:pPr lvl="1"/>
+            <a:r>
+              <a:rPr lang="zh-TW" altLang="en-US" dirty="0">
+                <a:latin typeface="微軟正黑體" panose="020B0604030504040204" pitchFamily="34" charset="-120"/>
+              </a:rPr>
+              <a:t>打開</a:t>
+            </a:r>
+            <a:r>
+              <a:rPr lang="en-US" altLang="zh-TW" dirty="0">
+                <a:latin typeface="微軟正黑體" panose="020B0604030504040204" pitchFamily="34" charset="-120"/>
+              </a:rPr>
+              <a:t>terminal</a:t>
+            </a:r>
+          </a:p>
+          <a:p>
+            <a:pPr lvl="1"/>
+            <a:r>
+              <a:rPr lang="en-US" altLang="zh-TW" dirty="0">
+                <a:latin typeface="微軟正黑體" panose="020B0604030504040204" pitchFamily="34" charset="-120"/>
+              </a:rPr>
+              <a:t>cd project/path (</a:t>
+            </a:r>
+            <a:r>
+              <a:rPr lang="zh-TW" altLang="en-US" dirty="0">
+                <a:latin typeface="微軟正黑體" panose="020B0604030504040204" pitchFamily="34" charset="-120"/>
+              </a:rPr>
+              <a:t>更改路徑到</a:t>
+            </a:r>
+            <a:r>
+              <a:rPr lang="en-US" altLang="zh-TW" dirty="0">
+                <a:latin typeface="微軟正黑體" panose="020B0604030504040204" pitchFamily="34" charset="-120"/>
+              </a:rPr>
+              <a:t>project</a:t>
+            </a:r>
+            <a:r>
+              <a:rPr lang="zh-TW" altLang="en-US" dirty="0">
+                <a:latin typeface="微軟正黑體" panose="020B0604030504040204" pitchFamily="34" charset="-120"/>
+              </a:rPr>
+              <a:t>的目錄下</a:t>
+            </a:r>
+            <a:r>
+              <a:rPr lang="en-US" altLang="zh-TW" dirty="0">
+                <a:latin typeface="微軟正黑體" panose="020B0604030504040204" pitchFamily="34" charset="-120"/>
+              </a:rPr>
+              <a:t>)</a:t>
+            </a:r>
+            <a:endParaRPr lang="en-US" altLang="zh-TW" dirty="0"/>
+          </a:p>
+          <a:p>
+            <a:pPr lvl="1"/>
+            <a:r>
+              <a:rPr lang="en-US" altLang="zh-TW" dirty="0"/>
+              <a:t>source ./</a:t>
+            </a:r>
+            <a:r>
+              <a:rPr lang="en-US" altLang="zh-TW" dirty="0" err="1"/>
+              <a:t>venv</a:t>
+            </a:r>
+            <a:r>
+              <a:rPr lang="en-US" altLang="zh-TW" dirty="0"/>
+              <a:t>/bin/activate (</a:t>
+            </a:r>
+            <a:r>
+              <a:rPr lang="zh-TW" altLang="en-US" dirty="0"/>
+              <a:t>進入虛擬環境</a:t>
+            </a:r>
+            <a:r>
+              <a:rPr lang="en-US" altLang="zh-TW" dirty="0"/>
+              <a:t>)</a:t>
+            </a:r>
+          </a:p>
+          <a:p>
+            <a:pPr lvl="1"/>
+            <a:r>
+              <a:rPr lang="en-US" altLang="zh-TW" dirty="0"/>
+              <a:t>python </a:t>
+            </a:r>
+            <a:r>
+              <a:rPr lang="en-US" altLang="zh-TW" dirty="0" err="1"/>
+              <a:t>train.py</a:t>
+            </a:r>
+            <a:r>
+              <a:rPr lang="en-US" altLang="zh-TW" dirty="0"/>
+              <a:t>  --</a:t>
+            </a:r>
+            <a:r>
+              <a:rPr lang="en-US" altLang="zh-TW" dirty="0" err="1"/>
+              <a:t>file_path</a:t>
+            </a:r>
+            <a:r>
+              <a:rPr lang="en-US" altLang="zh-TW" dirty="0"/>
+              <a:t>=”data/0714train.csv” (</a:t>
+            </a:r>
+            <a:r>
+              <a:rPr lang="zh-TW" altLang="en-US" dirty="0"/>
+              <a:t>訓練資料</a:t>
+            </a:r>
+            <a:r>
+              <a:rPr lang="en-US" altLang="zh-TW" dirty="0"/>
+              <a:t>)</a:t>
+            </a:r>
+          </a:p>
+          <a:p>
+            <a:pPr marL="457200" lvl="1" indent="0">
+              <a:buNone/>
+            </a:pPr>
+            <a:endParaRPr lang="en-US" altLang="zh-TW" dirty="0"/>
+          </a:p>
+          <a:p>
+            <a:r>
+              <a:rPr lang="zh-TW" altLang="en-US" dirty="0"/>
+              <a:t>測試資料</a:t>
+            </a:r>
+            <a:endParaRPr lang="en-US" altLang="zh-TW" dirty="0"/>
+          </a:p>
+          <a:p>
+            <a:pPr lvl="1"/>
+            <a:r>
+              <a:rPr lang="zh-TW" altLang="en-US" dirty="0">
+                <a:latin typeface="微軟正黑體" panose="020B0604030504040204" pitchFamily="34" charset="-120"/>
+              </a:rPr>
+              <a:t>打開</a:t>
+            </a:r>
+            <a:r>
+              <a:rPr lang="en-US" altLang="zh-TW" dirty="0">
+                <a:latin typeface="微軟正黑體" panose="020B0604030504040204" pitchFamily="34" charset="-120"/>
+              </a:rPr>
+              <a:t>terminal</a:t>
+            </a:r>
+          </a:p>
+          <a:p>
+            <a:pPr lvl="1"/>
+            <a:r>
+              <a:rPr lang="en-US" altLang="zh-TW" dirty="0">
+                <a:latin typeface="微軟正黑體" panose="020B0604030504040204" pitchFamily="34" charset="-120"/>
+              </a:rPr>
+              <a:t>cd project/path (</a:t>
+            </a:r>
+            <a:r>
+              <a:rPr lang="zh-TW" altLang="en-US" dirty="0">
+                <a:latin typeface="微軟正黑體" panose="020B0604030504040204" pitchFamily="34" charset="-120"/>
+              </a:rPr>
+              <a:t>更改路徑到</a:t>
+            </a:r>
+            <a:r>
+              <a:rPr lang="en-US" altLang="zh-TW" dirty="0">
+                <a:latin typeface="微軟正黑體" panose="020B0604030504040204" pitchFamily="34" charset="-120"/>
+              </a:rPr>
+              <a:t>project</a:t>
+            </a:r>
+            <a:r>
+              <a:rPr lang="zh-TW" altLang="en-US" dirty="0">
+                <a:latin typeface="微軟正黑體" panose="020B0604030504040204" pitchFamily="34" charset="-120"/>
+              </a:rPr>
+              <a:t>的目錄下</a:t>
+            </a:r>
+            <a:r>
+              <a:rPr lang="en-US" altLang="zh-TW" dirty="0">
+                <a:latin typeface="微軟正黑體" panose="020B0604030504040204" pitchFamily="34" charset="-120"/>
+              </a:rPr>
+              <a:t>)</a:t>
+            </a:r>
+            <a:endParaRPr lang="en-US" altLang="zh-TW" dirty="0"/>
+          </a:p>
+          <a:p>
+            <a:pPr lvl="1"/>
+            <a:r>
+              <a:rPr lang="en-US" altLang="zh-TW" dirty="0"/>
+              <a:t>source ./</a:t>
+            </a:r>
+            <a:r>
+              <a:rPr lang="en-US" altLang="zh-TW" dirty="0" err="1"/>
+              <a:t>venv</a:t>
+            </a:r>
+            <a:r>
+              <a:rPr lang="en-US" altLang="zh-TW" dirty="0"/>
+              <a:t>/bin/activate (</a:t>
+            </a:r>
+            <a:r>
+              <a:rPr lang="zh-TW" altLang="en-US" dirty="0"/>
+              <a:t>進入虛擬環境</a:t>
+            </a:r>
+            <a:r>
+              <a:rPr lang="en-US" altLang="zh-TW" dirty="0"/>
+              <a:t>)</a:t>
+            </a:r>
+          </a:p>
+          <a:p>
+            <a:pPr lvl="1"/>
+            <a:r>
+              <a:rPr lang="en-US" altLang="zh-TW" dirty="0"/>
+              <a:t>python </a:t>
+            </a:r>
+            <a:r>
+              <a:rPr lang="en-US" altLang="zh-TW" dirty="0" err="1"/>
+              <a:t>test.py</a:t>
+            </a:r>
+            <a:r>
+              <a:rPr lang="en-US" altLang="zh-TW" dirty="0"/>
+              <a:t> --</a:t>
+            </a:r>
+            <a:r>
+              <a:rPr lang="en-US" altLang="zh-TW" dirty="0" err="1"/>
+              <a:t>file_path</a:t>
+            </a:r>
+            <a:r>
+              <a:rPr lang="en-US" altLang="zh-TW" dirty="0"/>
+              <a:t>=“data/0728test.csv” --</a:t>
+            </a:r>
+            <a:r>
+              <a:rPr lang="en-US" altLang="zh-TW" dirty="0" err="1"/>
+              <a:t>model_path</a:t>
+            </a:r>
+            <a:r>
+              <a:rPr lang="en-US" altLang="zh-TW" dirty="0"/>
+              <a:t>=“models/</a:t>
+            </a:r>
+            <a:r>
+              <a:rPr lang="en-US" altLang="zh-TW" dirty="0" err="1"/>
+              <a:t>model.pkl</a:t>
+            </a:r>
+            <a:r>
+              <a:rPr lang="en-US" altLang="zh-TW"/>
+              <a:t>” </a:t>
+            </a:r>
+            <a:r>
+              <a:rPr lang="en-US" altLang="zh-TW" dirty="0"/>
+              <a:t>(</a:t>
+            </a:r>
+            <a:r>
+              <a:rPr lang="zh-TW" altLang="en-US" dirty="0"/>
+              <a:t>產生測試結果</a:t>
+            </a:r>
+            <a:r>
+              <a:rPr lang="en-US" altLang="zh-TW" dirty="0"/>
+              <a:t>)</a:t>
             </a:r>
             <a:endParaRPr lang="zh-TW" altLang="en-US" dirty="0"/>
           </a:p>
@@ -4460,19 +4449,19 @@
           <a:lstStyle/>
           <a:p>
             <a:r>
-              <a:rPr lang="zh-TW" altLang="en-US" dirty="0" smtClean="0"/>
+              <a:rPr lang="zh-TW" altLang="en-US" dirty="0"/>
               <a:t>三、補充說明</a:t>
             </a:r>
             <a:r>
-              <a:rPr lang="en-US" altLang="zh-TW" dirty="0" smtClean="0"/>
+              <a:rPr lang="en-US" altLang="zh-TW" dirty="0"/>
               <a:t>(</a:t>
             </a:r>
             <a:r>
-              <a:rPr lang="zh-TW" altLang="en-US" dirty="0" smtClean="0"/>
+              <a:rPr lang="zh-TW" altLang="en-US" dirty="0"/>
               <a:t>其他或自行定義項目</a:t>
             </a:r>
             <a:r>
-              <a:rPr lang="en-US" altLang="zh-TW" dirty="0" smtClean="0"/>
+              <a:rPr lang="en-US" altLang="zh-TW" dirty="0"/>
               <a:t>)</a:t>
             </a:r>
             <a:endParaRPr lang="zh-TW" altLang="en-US" dirty="0"/>
@@ -4494,7 +4483,7 @@
           <a:bodyPr/>
           <a:lstStyle/>
           <a:p>
-            <a:endParaRPr lang="zh-TW" altLang="en-US"/>
+            <a:endParaRPr lang="zh-TW" altLang="en-US" dirty="0"/>
           </a:p>
         </p:txBody>
       </p:sp>
